--- a/06_decision_trees/06_decision_trees.pptx
+++ b/06_decision_trees/06_decision_trees.pptx
@@ -257,7 +257,7 @@
           <a:p>
             <a:fld id="{B1A15573-A93D-45D1-B33D-0CD5FBB26675}" type="datetimeFigureOut">
               <a:rPr lang="en-US" smtClean="0"/>
-              <a:t>2/5/2018</a:t>
+              <a:t>2/6/2018</a:t>
             </a:fld>
             <a:endParaRPr lang="en-US"/>
           </a:p>
@@ -427,7 +427,7 @@
           <a:p>
             <a:fld id="{B1A15573-A93D-45D1-B33D-0CD5FBB26675}" type="datetimeFigureOut">
               <a:rPr lang="en-US" smtClean="0"/>
-              <a:t>2/5/2018</a:t>
+              <a:t>2/6/2018</a:t>
             </a:fld>
             <a:endParaRPr lang="en-US"/>
           </a:p>
@@ -607,7 +607,7 @@
           <a:p>
             <a:fld id="{B1A15573-A93D-45D1-B33D-0CD5FBB26675}" type="datetimeFigureOut">
               <a:rPr lang="en-US" smtClean="0"/>
-              <a:t>2/5/2018</a:t>
+              <a:t>2/6/2018</a:t>
             </a:fld>
             <a:endParaRPr lang="en-US"/>
           </a:p>
@@ -791,7 +791,7 @@
           <a:p>
             <a:fld id="{B1A15573-A93D-45D1-B33D-0CD5FBB26675}" type="datetimeFigureOut">
               <a:rPr lang="en-US" smtClean="0"/>
-              <a:t>2/5/2018</a:t>
+              <a:t>2/6/2018</a:t>
             </a:fld>
             <a:endParaRPr lang="en-US"/>
           </a:p>
@@ -1037,7 +1037,7 @@
           <a:p>
             <a:fld id="{B1A15573-A93D-45D1-B33D-0CD5FBB26675}" type="datetimeFigureOut">
               <a:rPr lang="en-US" smtClean="0"/>
-              <a:t>2/5/2018</a:t>
+              <a:t>2/6/2018</a:t>
             </a:fld>
             <a:endParaRPr lang="en-US"/>
           </a:p>
@@ -1274,7 +1274,7 @@
           <a:p>
             <a:fld id="{B1A15573-A93D-45D1-B33D-0CD5FBB26675}" type="datetimeFigureOut">
               <a:rPr lang="en-US" smtClean="0"/>
-              <a:t>2/5/2018</a:t>
+              <a:t>2/6/2018</a:t>
             </a:fld>
             <a:endParaRPr lang="en-US"/>
           </a:p>
@@ -1641,7 +1641,7 @@
           <a:p>
             <a:fld id="{B1A15573-A93D-45D1-B33D-0CD5FBB26675}" type="datetimeFigureOut">
               <a:rPr lang="en-US" smtClean="0"/>
-              <a:t>2/5/2018</a:t>
+              <a:t>2/6/2018</a:t>
             </a:fld>
             <a:endParaRPr lang="en-US"/>
           </a:p>
@@ -1759,7 +1759,7 @@
           <a:p>
             <a:fld id="{B1A15573-A93D-45D1-B33D-0CD5FBB26675}" type="datetimeFigureOut">
               <a:rPr lang="en-US" smtClean="0"/>
-              <a:t>2/5/2018</a:t>
+              <a:t>2/6/2018</a:t>
             </a:fld>
             <a:endParaRPr lang="en-US"/>
           </a:p>
@@ -1854,7 +1854,7 @@
           <a:p>
             <a:fld id="{B1A15573-A93D-45D1-B33D-0CD5FBB26675}" type="datetimeFigureOut">
               <a:rPr lang="en-US" smtClean="0"/>
-              <a:t>2/5/2018</a:t>
+              <a:t>2/6/2018</a:t>
             </a:fld>
             <a:endParaRPr lang="en-US"/>
           </a:p>
@@ -2131,7 +2131,7 @@
           <a:p>
             <a:fld id="{B1A15573-A93D-45D1-B33D-0CD5FBB26675}" type="datetimeFigureOut">
               <a:rPr lang="en-US" smtClean="0"/>
-              <a:t>2/5/2018</a:t>
+              <a:t>2/6/2018</a:t>
             </a:fld>
             <a:endParaRPr lang="en-US"/>
           </a:p>
@@ -2384,7 +2384,7 @@
           <a:p>
             <a:fld id="{B1A15573-A93D-45D1-B33D-0CD5FBB26675}" type="datetimeFigureOut">
               <a:rPr lang="en-US" smtClean="0"/>
-              <a:t>2/5/2018</a:t>
+              <a:t>2/6/2018</a:t>
             </a:fld>
             <a:endParaRPr lang="en-US"/>
           </a:p>
@@ -2597,7 +2597,7 @@
           <a:p>
             <a:fld id="{B1A15573-A93D-45D1-B33D-0CD5FBB26675}" type="datetimeFigureOut">
               <a:rPr lang="en-US" smtClean="0"/>
-              <a:t>2/5/2018</a:t>
+              <a:t>2/6/2018</a:t>
             </a:fld>
             <a:endParaRPr lang="en-US"/>
           </a:p>
@@ -4640,7 +4640,11 @@
           <a:p>
             <a:r>
               <a:rPr lang="en-US" dirty="0" smtClean="0"/>
-              <a:t>Feature Importance ??????????</a:t>
+              <a:t>Feature </a:t>
+            </a:r>
+            <a:r>
+              <a:rPr lang="en-US" dirty="0" smtClean="0"/>
+              <a:t>Importance</a:t>
             </a:r>
             <a:endParaRPr lang="en-US" dirty="0"/>
           </a:p>
@@ -4654,7 +4658,7 @@
         </p:nvSpPr>
         <p:spPr>
           <a:xfrm>
-            <a:off x="923109" y="1099682"/>
+            <a:off x="548641" y="899385"/>
             <a:ext cx="6096000" cy="1754326"/>
           </a:xfrm>
           <a:prstGeom prst="rect">
@@ -4724,21 +4728,21 @@
         </p:nvSpPr>
         <p:spPr>
           <a:xfrm>
-            <a:off x="923109" y="3116246"/>
-            <a:ext cx="6096000" cy="646331"/>
+            <a:off x="548641" y="2740296"/>
+            <a:ext cx="6725738" cy="338554"/>
           </a:xfrm>
           <a:prstGeom prst="rect">
             <a:avLst/>
           </a:prstGeom>
         </p:spPr>
         <p:txBody>
-          <a:bodyPr>
+          <a:bodyPr wrap="square">
             <a:spAutoFit/>
           </a:bodyPr>
           <a:lstStyle/>
           <a:p>
             <a:r>
-              <a:rPr lang="en-US" dirty="0" err="1">
+              <a:rPr lang="en-US" sz="1600" dirty="0" err="1">
                 <a:solidFill>
                   <a:srgbClr val="242729"/>
                 </a:solidFill>
@@ -4747,7 +4751,7 @@
               <a:t>Breiman</a:t>
             </a:r>
             <a:r>
-              <a:rPr lang="en-US" dirty="0">
+              <a:rPr lang="en-US" sz="1600" dirty="0">
                 <a:solidFill>
                   <a:srgbClr val="242729"/>
                 </a:solidFill>
@@ -4755,94 +4759,7 @@
               </a:rPr>
               <a:t>, Friedman, "Classification and regression trees", 1984.</a:t>
             </a:r>
-            <a:endParaRPr lang="en-US" dirty="0"/>
-          </a:p>
-        </p:txBody>
-      </p:sp>
-      <p:sp>
-        <p:nvSpPr>
-          <p:cNvPr id="8" name="Rectangle 7"/>
-          <p:cNvSpPr/>
-          <p:nvPr/>
-        </p:nvSpPr>
-        <p:spPr>
-          <a:xfrm>
-            <a:off x="923109" y="3911212"/>
-            <a:ext cx="6096000" cy="2031325"/>
-          </a:xfrm>
-          <a:prstGeom prst="rect">
-            <a:avLst/>
-          </a:prstGeom>
-        </p:spPr>
-        <p:txBody>
-          <a:bodyPr>
-            <a:spAutoFit/>
-          </a:bodyPr>
-          <a:lstStyle/>
-          <a:p>
-            <a:r>
-              <a:rPr lang="en-US" b="1" dirty="0">
-                <a:solidFill>
-                  <a:srgbClr val="333333"/>
-                </a:solidFill>
-                <a:latin typeface="Arial" panose="020B0604020202020204" pitchFamily="34" charset="0"/>
-              </a:rPr>
-              <a:t>Gini importance</a:t>
-            </a:r>
-          </a:p>
-          <a:p>
-            <a:r>
-              <a:rPr lang="en-US" dirty="0">
-                <a:solidFill>
-                  <a:srgbClr val="333333"/>
-                </a:solidFill>
-                <a:latin typeface="Arial" panose="020B0604020202020204" pitchFamily="34" charset="0"/>
-              </a:rPr>
-              <a:t>Every time a split of a node is made on variable m the </a:t>
-            </a:r>
-            <a:r>
-              <a:rPr lang="en-US" dirty="0" err="1">
-                <a:solidFill>
-                  <a:srgbClr val="333333"/>
-                </a:solidFill>
-                <a:latin typeface="Arial" panose="020B0604020202020204" pitchFamily="34" charset="0"/>
-              </a:rPr>
-              <a:t>gini</a:t>
-            </a:r>
-            <a:r>
-              <a:rPr lang="en-US" dirty="0">
-                <a:solidFill>
-                  <a:srgbClr val="333333"/>
-                </a:solidFill>
-                <a:latin typeface="Arial" panose="020B0604020202020204" pitchFamily="34" charset="0"/>
-              </a:rPr>
-              <a:t> impurity criterion for the two descendent nodes is less than the parent node. Adding up the </a:t>
-            </a:r>
-            <a:r>
-              <a:rPr lang="en-US" dirty="0" err="1">
-                <a:solidFill>
-                  <a:srgbClr val="333333"/>
-                </a:solidFill>
-                <a:latin typeface="Arial" panose="020B0604020202020204" pitchFamily="34" charset="0"/>
-              </a:rPr>
-              <a:t>gini</a:t>
-            </a:r>
-            <a:r>
-              <a:rPr lang="en-US" dirty="0">
-                <a:solidFill>
-                  <a:srgbClr val="333333"/>
-                </a:solidFill>
-                <a:latin typeface="Arial" panose="020B0604020202020204" pitchFamily="34" charset="0"/>
-              </a:rPr>
-              <a:t> decreases for each individual variable over all trees in the forest gives a fast variable importance that is often very consistent with the permutation importance measure.</a:t>
-            </a:r>
-            <a:endParaRPr lang="en-US" b="0" i="0" dirty="0">
-              <a:solidFill>
-                <a:srgbClr val="333333"/>
-              </a:solidFill>
-              <a:effectLst/>
-              <a:latin typeface="Arial" panose="020B0604020202020204" pitchFamily="34" charset="0"/>
-            </a:endParaRPr>
+            <a:endParaRPr lang="en-US" sz="1600" dirty="0"/>
           </a:p>
         </p:txBody>
       </p:sp>
@@ -4868,7 +4785,7 @@
         </p:blipFill>
         <p:spPr>
           <a:xfrm>
-            <a:off x="7230836" y="492987"/>
+            <a:off x="7274379" y="2060530"/>
             <a:ext cx="4610100" cy="3990975"/>
           </a:xfrm>
           <a:prstGeom prst="rect">
@@ -4884,8 +4801,8 @@
         </p:nvSpPr>
         <p:spPr>
           <a:xfrm>
-            <a:off x="7484533" y="4926874"/>
-            <a:ext cx="3310467" cy="923330"/>
+            <a:off x="548641" y="4238285"/>
+            <a:ext cx="9480006" cy="2031325"/>
           </a:xfrm>
           <a:prstGeom prst="rect">
             <a:avLst/>
@@ -4900,19 +4817,75 @@
           <a:p>
             <a:r>
               <a:rPr lang="en-US" dirty="0" smtClean="0"/>
-              <a:t>Feature importance</a:t>
-            </a:r>
+              <a:t>Example:</a:t>
+            </a:r>
+          </a:p>
+          <a:p>
+            <a:endParaRPr lang="en-US" dirty="0"/>
           </a:p>
           <a:p>
             <a:r>
               <a:rPr lang="en-US" dirty="0" smtClean="0"/>
-              <a:t>Petal length: 0.56199095</a:t>
-            </a:r>
-          </a:p>
-          <a:p>
+              <a:t>Feature importance of petal length = 0.667*150 – 0.0*50 – 0.5*100</a:t>
+            </a:r>
+            <a:endParaRPr lang="en-US" dirty="0" smtClean="0"/>
+          </a:p>
+          <a:p>
+            <a:r>
+              <a:rPr lang="en-US" dirty="0"/>
+              <a:t>Feature importance of petal </a:t>
+            </a:r>
             <a:r>
               <a:rPr lang="en-US" dirty="0" smtClean="0"/>
-              <a:t>Petal width: 0.43800905</a:t>
+              <a:t>width = 0.5*100 </a:t>
+            </a:r>
+            <a:r>
+              <a:rPr lang="en-US" dirty="0"/>
+              <a:t>– </a:t>
+            </a:r>
+            <a:r>
+              <a:rPr lang="en-US" dirty="0" smtClean="0"/>
+              <a:t>0.168*54 </a:t>
+            </a:r>
+            <a:r>
+              <a:rPr lang="en-US" dirty="0"/>
+              <a:t>– </a:t>
+            </a:r>
+            <a:r>
+              <a:rPr lang="en-US" dirty="0" smtClean="0"/>
+              <a:t>0.043*46</a:t>
+            </a:r>
+            <a:endParaRPr lang="en-US" dirty="0"/>
+          </a:p>
+          <a:p>
+            <a:endParaRPr lang="en-US" dirty="0" smtClean="0"/>
+          </a:p>
+          <a:p>
+            <a:r>
+              <a:rPr lang="en-US" dirty="0" smtClean="0"/>
+              <a:t>Normalized feature importance of petal length = </a:t>
+            </a:r>
+            <a:r>
+              <a:rPr lang="en-US" dirty="0" smtClean="0"/>
+              <a:t>0.56199095</a:t>
+            </a:r>
+          </a:p>
+          <a:p>
+            <a:r>
+              <a:rPr lang="en-US" dirty="0"/>
+              <a:t>Normalized feature importance of petal </a:t>
+            </a:r>
+            <a:r>
+              <a:rPr lang="en-US" dirty="0" smtClean="0"/>
+              <a:t>width  </a:t>
+            </a:r>
+            <a:r>
+              <a:rPr lang="en-US" dirty="0"/>
+              <a:t>= </a:t>
+            </a:r>
+            <a:r>
+              <a:rPr lang="en-US" dirty="0" smtClean="0"/>
+              <a:t>0.43800905</a:t>
             </a:r>
             <a:endParaRPr lang="en-US" dirty="0"/>
           </a:p>
@@ -15761,8 +15734,8 @@
           </a:p>
         </p:txBody>
       </p:sp>
-      <mc:AlternateContent xmlns:mc="http://schemas.openxmlformats.org/markup-compatibility/2006">
-        <mc:Choice xmlns:a14="http://schemas.microsoft.com/office/drawing/2010/main" Requires="a14">
+      <mc:AlternateContent xmlns:mc="http://schemas.openxmlformats.org/markup-compatibility/2006" xmlns:a14="http://schemas.microsoft.com/office/drawing/2010/main">
+        <mc:Choice Requires="a14">
           <p:sp>
             <p:nvSpPr>
               <p:cNvPr id="15" name="TextBox 14"/>
@@ -16024,7 +15997,7 @@
             </p:txBody>
           </p:sp>
         </mc:Choice>
-        <mc:Fallback>
+        <mc:Fallback xmlns="">
           <p:sp>
             <p:nvSpPr>
               <p:cNvPr id="15" name="TextBox 14"/>
